--- a/opends4all-resources/opends4all-foundation/HOW-COMPUTERS-WORK-cpu-memory-ssd-basic.pptx
+++ b/opends4all-resources/opends4all-foundation/HOW-COMPUTERS-WORK-cpu-memory-ssd-basic.pptx
@@ -1899,6 +1899,36 @@
               </a:spcAft>
               <a:buNone/>
             </a:pPr>
+            <a:r>
+              <a:rPr lang="en-US" dirty="0">
+                <a:uFillTx/>
+              </a:rPr>
+              <a:t>This conclusion naturally leads to a discussion of scalable data processing, and we recommend the next slide set to be </a:t>
+            </a:r>
+            <a:r>
+              <a:rPr lang="en-US" b="1" dirty="0">
+                <a:uFillTx/>
+              </a:rPr>
+              <a:t>EFFICIENT-DATA-PROCESSING-algorithms-intermediate</a:t>
+            </a:r>
+            <a:r>
+              <a:rPr lang="en-US" dirty="0">
+                <a:uFillTx/>
+              </a:rPr>
+              <a:t> from the </a:t>
+            </a:r>
+            <a:r>
+              <a:rPr lang="en-US" b="1" dirty="0">
+                <a:uFillTx/>
+              </a:rPr>
+              <a:t>opends4all-scalable-data-processing</a:t>
+            </a:r>
+            <a:r>
+              <a:rPr lang="en-US" dirty="0">
+                <a:uFillTx/>
+              </a:rPr>
+              <a:t> module.</a:t>
+            </a:r>
             <a:endParaRPr dirty="0">
               <a:uFillTx/>
             </a:endParaRPr>
@@ -17431,6 +17461,52 @@
           <a:noFill/>
         </p:spPr>
       </p:pic>
+      <p:sp>
+        <p:nvSpPr>
+          <p:cNvPr id="4" name="TextBox 3">
+            <a:extLst>
+              <a:ext uri="{FF2B5EF4-FFF2-40B4-BE49-F238E27FC236}">
+                <a16:creationId xmlns:a16="http://schemas.microsoft.com/office/drawing/2014/main" id="{2EC92F68-3AAA-4AEA-857D-138D629F94B0}"/>
+              </a:ext>
+            </a:extLst>
+          </p:cNvPr>
+          <p:cNvSpPr txBox="1"/>
+          <p:nvPr/>
+        </p:nvSpPr>
+        <p:spPr>
+          <a:xfrm>
+            <a:off x="6459687" y="351064"/>
+            <a:ext cx="1382110" cy="276999"/>
+          </a:xfrm>
+          <a:prstGeom prst="rect">
+            <a:avLst/>
+          </a:prstGeom>
+          <a:noFill/>
+        </p:spPr>
+        <p:txBody>
+          <a:bodyPr wrap="none" rtlCol="0">
+            <a:spAutoFit/>
+          </a:bodyPr>
+          <a:lstStyle/>
+          <a:p>
+            <a:r>
+              <a:rPr lang="en-US" sz="1200" dirty="0">
+                <a:solidFill>
+                  <a:schemeClr val="accent2"/>
+                </a:solidFill>
+                <a:latin typeface="Abadi Extra Light" panose="020B0604020202020204" pitchFamily="34" charset="0"/>
+              </a:rPr>
+              <a:t>Difficulty level: basic</a:t>
+            </a:r>
+            <a:endParaRPr lang="en-US" sz="1200" dirty="0">
+              <a:solidFill>
+                <a:schemeClr val="accent6"/>
+              </a:solidFill>
+              <a:latin typeface="Abadi Extra Light" panose="020B0604020202020204" pitchFamily="34" charset="0"/>
+            </a:endParaRPr>
+          </a:p>
+        </p:txBody>
+      </p:sp>
     </p:spTree>
   </p:cSld>
   <p:clrMapOvr>
